--- a/CSCE658-S24/L10.pptx
+++ b/CSCE658-S24/L10.pptx
@@ -243,7 +243,7 @@
           <a:p>
             <a:fld id="{4AEE655F-B539-469B-83FD-9A4451850B7A}" type="datetimeFigureOut">
               <a:rPr lang="en-US" smtClean="0"/>
-              <a:t>2/20/2024</a:t>
+              <a:t>5/7/2024</a:t>
             </a:fld>
             <a:endParaRPr lang="en-US"/>
           </a:p>
@@ -2505,7 +2505,7 @@
           <a:p>
             <a:fld id="{F556C3C7-1563-4E95-A703-BB7811A41994}" type="datetimeFigureOut">
               <a:rPr lang="en-US" smtClean="0"/>
-              <a:t>2/20/2024</a:t>
+              <a:t>5/7/2024</a:t>
             </a:fld>
             <a:endParaRPr lang="en-US"/>
           </a:p>
@@ -2703,7 +2703,7 @@
           <a:p>
             <a:fld id="{F556C3C7-1563-4E95-A703-BB7811A41994}" type="datetimeFigureOut">
               <a:rPr lang="en-US" smtClean="0"/>
-              <a:t>2/20/2024</a:t>
+              <a:t>5/7/2024</a:t>
             </a:fld>
             <a:endParaRPr lang="en-US"/>
           </a:p>
@@ -2911,7 +2911,7 @@
           <a:p>
             <a:fld id="{F556C3C7-1563-4E95-A703-BB7811A41994}" type="datetimeFigureOut">
               <a:rPr lang="en-US" smtClean="0"/>
-              <a:t>2/20/2024</a:t>
+              <a:t>5/7/2024</a:t>
             </a:fld>
             <a:endParaRPr lang="en-US"/>
           </a:p>
@@ -3109,7 +3109,7 @@
           <a:p>
             <a:fld id="{F556C3C7-1563-4E95-A703-BB7811A41994}" type="datetimeFigureOut">
               <a:rPr lang="en-US" smtClean="0"/>
-              <a:t>2/20/2024</a:t>
+              <a:t>5/7/2024</a:t>
             </a:fld>
             <a:endParaRPr lang="en-US"/>
           </a:p>
@@ -3384,7 +3384,7 @@
           <a:p>
             <a:fld id="{F556C3C7-1563-4E95-A703-BB7811A41994}" type="datetimeFigureOut">
               <a:rPr lang="en-US" smtClean="0"/>
-              <a:t>2/20/2024</a:t>
+              <a:t>5/7/2024</a:t>
             </a:fld>
             <a:endParaRPr lang="en-US"/>
           </a:p>
@@ -3649,7 +3649,7 @@
           <a:p>
             <a:fld id="{F556C3C7-1563-4E95-A703-BB7811A41994}" type="datetimeFigureOut">
               <a:rPr lang="en-US" smtClean="0"/>
-              <a:t>2/20/2024</a:t>
+              <a:t>5/7/2024</a:t>
             </a:fld>
             <a:endParaRPr lang="en-US"/>
           </a:p>
@@ -4061,7 +4061,7 @@
           <a:p>
             <a:fld id="{F556C3C7-1563-4E95-A703-BB7811A41994}" type="datetimeFigureOut">
               <a:rPr lang="en-US" smtClean="0"/>
-              <a:t>2/20/2024</a:t>
+              <a:t>5/7/2024</a:t>
             </a:fld>
             <a:endParaRPr lang="en-US"/>
           </a:p>
@@ -4202,7 +4202,7 @@
           <a:p>
             <a:fld id="{F556C3C7-1563-4E95-A703-BB7811A41994}" type="datetimeFigureOut">
               <a:rPr lang="en-US" smtClean="0"/>
-              <a:t>2/20/2024</a:t>
+              <a:t>5/7/2024</a:t>
             </a:fld>
             <a:endParaRPr lang="en-US"/>
           </a:p>
@@ -4315,7 +4315,7 @@
           <a:p>
             <a:fld id="{F556C3C7-1563-4E95-A703-BB7811A41994}" type="datetimeFigureOut">
               <a:rPr lang="en-US" smtClean="0"/>
-              <a:t>2/20/2024</a:t>
+              <a:t>5/7/2024</a:t>
             </a:fld>
             <a:endParaRPr lang="en-US"/>
           </a:p>
@@ -4626,7 +4626,7 @@
           <a:p>
             <a:fld id="{F556C3C7-1563-4E95-A703-BB7811A41994}" type="datetimeFigureOut">
               <a:rPr lang="en-US" smtClean="0"/>
-              <a:t>2/20/2024</a:t>
+              <a:t>5/7/2024</a:t>
             </a:fld>
             <a:endParaRPr lang="en-US"/>
           </a:p>
@@ -4914,7 +4914,7 @@
           <a:p>
             <a:fld id="{F556C3C7-1563-4E95-A703-BB7811A41994}" type="datetimeFigureOut">
               <a:rPr lang="en-US" smtClean="0"/>
-              <a:t>2/20/2024</a:t>
+              <a:t>5/7/2024</a:t>
             </a:fld>
             <a:endParaRPr lang="en-US"/>
           </a:p>
@@ -5155,7 +5155,7 @@
           <a:p>
             <a:fld id="{F556C3C7-1563-4E95-A703-BB7811A41994}" type="datetimeFigureOut">
               <a:rPr lang="en-US" smtClean="0"/>
-              <a:t>2/20/2024</a:t>
+              <a:t>5/7/2024</a:t>
             </a:fld>
             <a:endParaRPr lang="en-US"/>
           </a:p>
@@ -16510,8 +16510,8 @@
           </a:p>
         </p:txBody>
       </p:sp>
-      <mc:AlternateContent xmlns:mc="http://schemas.openxmlformats.org/markup-compatibility/2006" xmlns:a14="http://schemas.microsoft.com/office/drawing/2010/main">
-        <mc:Choice Requires="a14">
+      <mc:AlternateContent xmlns:mc="http://schemas.openxmlformats.org/markup-compatibility/2006">
+        <mc:Choice xmlns:a14="http://schemas.microsoft.com/office/drawing/2010/main" Requires="a14">
           <p:sp>
             <p:nvSpPr>
               <p:cNvPr id="4" name="Content Placeholder 3"/>
@@ -16541,6 +16541,47 @@
                 </a:pPr>
                 <a14:m>
                   <m:oMath xmlns:m="http://schemas.openxmlformats.org/officeDocument/2006/math">
+                    <m:r>
+                      <a:rPr lang="en-US" i="1">
+                        <a:solidFill>
+                          <a:srgbClr val="C00000"/>
+                        </a:solidFill>
+                        <a:latin typeface="Cambria Math" panose="02040503050406030204" pitchFamily="18" charset="0"/>
+                      </a:rPr>
+                      <m:t>𝑠</m:t>
+                    </m:r>
+                    <m:d>
+                      <m:dPr>
+                        <m:ctrlPr>
+                          <a:rPr lang="en-US" i="1">
+                            <a:solidFill>
+                              <a:srgbClr val="C00000"/>
+                            </a:solidFill>
+                            <a:latin typeface="Cambria Math" panose="02040503050406030204" pitchFamily="18" charset="0"/>
+                          </a:rPr>
+                        </m:ctrlPr>
+                      </m:dPr>
+                      <m:e>
+                        <m:r>
+                          <a:rPr lang="en-US" i="1">
+                            <a:solidFill>
+                              <a:srgbClr val="C00000"/>
+                            </a:solidFill>
+                            <a:latin typeface="Cambria Math" panose="02040503050406030204" pitchFamily="18" charset="0"/>
+                          </a:rPr>
+                          <m:t>𝑖</m:t>
+                        </m:r>
+                      </m:e>
+                    </m:d>
+                    <m:r>
+                      <a:rPr lang="en-US" i="1">
+                        <a:solidFill>
+                          <a:srgbClr val="C00000"/>
+                        </a:solidFill>
+                        <a:latin typeface="Cambria Math" panose="02040503050406030204" pitchFamily="18" charset="0"/>
+                      </a:rPr>
+                      <m:t>⋅</m:t>
+                    </m:r>
                     <m:sSub>
                       <m:sSubPr>
                         <m:ctrlPr>
@@ -17218,7 +17259,7 @@
             </p:txBody>
           </p:sp>
         </mc:Choice>
-        <mc:Fallback xmlns="">
+        <mc:Fallback>
           <p:sp>
             <p:nvSpPr>
               <p:cNvPr id="4" name="Content Placeholder 3"/>
@@ -22905,8 +22946,8 @@
           </a:p>
         </p:txBody>
       </p:sp>
-      <mc:AlternateContent xmlns:mc="http://schemas.openxmlformats.org/markup-compatibility/2006" xmlns:a14="http://schemas.microsoft.com/office/drawing/2010/main">
-        <mc:Choice Requires="a14">
+      <mc:AlternateContent xmlns:mc="http://schemas.openxmlformats.org/markup-compatibility/2006">
+        <mc:Choice xmlns:a14="http://schemas.microsoft.com/office/drawing/2010/main" Requires="a14">
           <p:sp>
             <p:nvSpPr>
               <p:cNvPr id="4" name="Content Placeholder 3"/>
@@ -22936,6 +22977,47 @@
                 </a:pPr>
                 <a14:m>
                   <m:oMath xmlns:m="http://schemas.openxmlformats.org/officeDocument/2006/math">
+                    <m:r>
+                      <a:rPr lang="en-US" i="1">
+                        <a:solidFill>
+                          <a:srgbClr val="C00000"/>
+                        </a:solidFill>
+                        <a:latin typeface="Cambria Math" panose="02040503050406030204" pitchFamily="18" charset="0"/>
+                      </a:rPr>
+                      <m:t>𝑠</m:t>
+                    </m:r>
+                    <m:d>
+                      <m:dPr>
+                        <m:ctrlPr>
+                          <a:rPr lang="en-US" i="1">
+                            <a:solidFill>
+                              <a:srgbClr val="C00000"/>
+                            </a:solidFill>
+                            <a:latin typeface="Cambria Math" panose="02040503050406030204" pitchFamily="18" charset="0"/>
+                          </a:rPr>
+                        </m:ctrlPr>
+                      </m:dPr>
+                      <m:e>
+                        <m:r>
+                          <a:rPr lang="en-US" i="1">
+                            <a:solidFill>
+                              <a:srgbClr val="C00000"/>
+                            </a:solidFill>
+                            <a:latin typeface="Cambria Math" panose="02040503050406030204" pitchFamily="18" charset="0"/>
+                          </a:rPr>
+                          <m:t>𝑖</m:t>
+                        </m:r>
+                      </m:e>
+                    </m:d>
+                    <m:r>
+                      <a:rPr lang="en-US" i="1">
+                        <a:solidFill>
+                          <a:srgbClr val="C00000"/>
+                        </a:solidFill>
+                        <a:latin typeface="Cambria Math" panose="02040503050406030204" pitchFamily="18" charset="0"/>
+                      </a:rPr>
+                      <m:t>⋅</m:t>
+                    </m:r>
                     <m:sSub>
                       <m:sSubPr>
                         <m:ctrlPr>
@@ -24123,7 +24205,7 @@
             </p:txBody>
           </p:sp>
         </mc:Choice>
-        <mc:Fallback xmlns="">
+        <mc:Fallback>
           <p:sp>
             <p:nvSpPr>
               <p:cNvPr id="4" name="Content Placeholder 3"/>
@@ -25515,8 +25597,8 @@
           </a:p>
         </p:txBody>
       </p:sp>
-      <mc:AlternateContent xmlns:mc="http://schemas.openxmlformats.org/markup-compatibility/2006" xmlns:a14="http://schemas.microsoft.com/office/drawing/2010/main">
-        <mc:Choice Requires="a14">
+      <mc:AlternateContent xmlns:mc="http://schemas.openxmlformats.org/markup-compatibility/2006">
+        <mc:Choice xmlns:a14="http://schemas.microsoft.com/office/drawing/2010/main" Requires="a14">
           <p:sp>
             <p:nvSpPr>
               <p:cNvPr id="4" name="Content Placeholder 3"/>
@@ -25546,6 +25628,47 @@
                 </a:pPr>
                 <a14:m>
                   <m:oMath xmlns:m="http://schemas.openxmlformats.org/officeDocument/2006/math">
+                    <m:r>
+                      <a:rPr lang="en-US" i="1">
+                        <a:solidFill>
+                          <a:srgbClr val="C00000"/>
+                        </a:solidFill>
+                        <a:latin typeface="Cambria Math" panose="02040503050406030204" pitchFamily="18" charset="0"/>
+                      </a:rPr>
+                      <m:t>𝑠</m:t>
+                    </m:r>
+                    <m:d>
+                      <m:dPr>
+                        <m:ctrlPr>
+                          <a:rPr lang="en-US" i="1">
+                            <a:solidFill>
+                              <a:srgbClr val="C00000"/>
+                            </a:solidFill>
+                            <a:latin typeface="Cambria Math" panose="02040503050406030204" pitchFamily="18" charset="0"/>
+                          </a:rPr>
+                        </m:ctrlPr>
+                      </m:dPr>
+                      <m:e>
+                        <m:r>
+                          <a:rPr lang="en-US" i="1">
+                            <a:solidFill>
+                              <a:srgbClr val="C00000"/>
+                            </a:solidFill>
+                            <a:latin typeface="Cambria Math" panose="02040503050406030204" pitchFamily="18" charset="0"/>
+                          </a:rPr>
+                          <m:t>𝑖</m:t>
+                        </m:r>
+                      </m:e>
+                    </m:d>
+                    <m:r>
+                      <a:rPr lang="en-US" i="1">
+                        <a:solidFill>
+                          <a:srgbClr val="C00000"/>
+                        </a:solidFill>
+                        <a:latin typeface="Cambria Math" panose="02040503050406030204" pitchFamily="18" charset="0"/>
+                      </a:rPr>
+                      <m:t>⋅</m:t>
+                    </m:r>
                     <m:sSub>
                       <m:sSubPr>
                         <m:ctrlPr>
@@ -26431,7 +26554,7 @@
             </p:txBody>
           </p:sp>
         </mc:Choice>
-        <mc:Fallback xmlns="">
+        <mc:Fallback>
           <p:sp>
             <p:nvSpPr>
               <p:cNvPr id="4" name="Content Placeholder 3"/>
@@ -32672,8 +32795,8 @@
           </a:p>
         </p:txBody>
       </p:sp>
-      <mc:AlternateContent xmlns:mc="http://schemas.openxmlformats.org/markup-compatibility/2006" xmlns:a14="http://schemas.microsoft.com/office/drawing/2010/main">
-        <mc:Choice Requires="a14">
+      <mc:AlternateContent xmlns:mc="http://schemas.openxmlformats.org/markup-compatibility/2006">
+        <mc:Choice xmlns:a14="http://schemas.microsoft.com/office/drawing/2010/main" Requires="a14">
           <p:sp>
             <p:nvSpPr>
               <p:cNvPr id="4" name="Content Placeholder 3"/>
@@ -32703,6 +32826,47 @@
                 </a:pPr>
                 <a14:m>
                   <m:oMath xmlns:m="http://schemas.openxmlformats.org/officeDocument/2006/math">
+                    <m:r>
+                      <a:rPr lang="en-US" i="1">
+                        <a:solidFill>
+                          <a:srgbClr val="C00000"/>
+                        </a:solidFill>
+                        <a:latin typeface="Cambria Math" panose="02040503050406030204" pitchFamily="18" charset="0"/>
+                      </a:rPr>
+                      <m:t>𝑠</m:t>
+                    </m:r>
+                    <m:d>
+                      <m:dPr>
+                        <m:ctrlPr>
+                          <a:rPr lang="en-US" i="1">
+                            <a:solidFill>
+                              <a:srgbClr val="C00000"/>
+                            </a:solidFill>
+                            <a:latin typeface="Cambria Math" panose="02040503050406030204" pitchFamily="18" charset="0"/>
+                          </a:rPr>
+                        </m:ctrlPr>
+                      </m:dPr>
+                      <m:e>
+                        <m:r>
+                          <a:rPr lang="en-US" i="1">
+                            <a:solidFill>
+                              <a:srgbClr val="C00000"/>
+                            </a:solidFill>
+                            <a:latin typeface="Cambria Math" panose="02040503050406030204" pitchFamily="18" charset="0"/>
+                          </a:rPr>
+                          <m:t>𝑖</m:t>
+                        </m:r>
+                      </m:e>
+                    </m:d>
+                    <m:r>
+                      <a:rPr lang="en-US" i="1">
+                        <a:solidFill>
+                          <a:srgbClr val="C00000"/>
+                        </a:solidFill>
+                        <a:latin typeface="Cambria Math" panose="02040503050406030204" pitchFamily="18" charset="0"/>
+                      </a:rPr>
+                      <m:t>⋅</m:t>
+                    </m:r>
                     <m:sSub>
                       <m:sSubPr>
                         <m:ctrlPr>
@@ -33663,7 +33827,7 @@
             </p:txBody>
           </p:sp>
         </mc:Choice>
-        <mc:Fallback xmlns="">
+        <mc:Fallback>
           <p:sp>
             <p:nvSpPr>
               <p:cNvPr id="4" name="Content Placeholder 3"/>
